--- a/Ascend_workshop_coroner_NLP.pptx
+++ b/Ascend_workshop_coroner_NLP.pptx
@@ -285,7 +285,7 @@
           <a:p>
             <a:fld id="{6BCB910A-3DE7-7648-8D6F-5B97A5E5BFE1}" type="datetimeFigureOut">
               <a:rPr lang="en-US" smtClean="0"/>
-              <a:t>4/23/22</a:t>
+              <a:t>4/27/22</a:t>
             </a:fld>
             <a:endParaRPr lang="en-US"/>
           </a:p>
@@ -483,7 +483,7 @@
           <a:p>
             <a:fld id="{6BCB910A-3DE7-7648-8D6F-5B97A5E5BFE1}" type="datetimeFigureOut">
               <a:rPr lang="en-US" smtClean="0"/>
-              <a:t>4/23/22</a:t>
+              <a:t>4/27/22</a:t>
             </a:fld>
             <a:endParaRPr lang="en-US"/>
           </a:p>
@@ -691,7 +691,7 @@
           <a:p>
             <a:fld id="{6BCB910A-3DE7-7648-8D6F-5B97A5E5BFE1}" type="datetimeFigureOut">
               <a:rPr lang="en-US" smtClean="0"/>
-              <a:t>4/23/22</a:t>
+              <a:t>4/27/22</a:t>
             </a:fld>
             <a:endParaRPr lang="en-US"/>
           </a:p>
@@ -889,7 +889,7 @@
           <a:p>
             <a:fld id="{6BCB910A-3DE7-7648-8D6F-5B97A5E5BFE1}" type="datetimeFigureOut">
               <a:rPr lang="en-US" smtClean="0"/>
-              <a:t>4/23/22</a:t>
+              <a:t>4/27/22</a:t>
             </a:fld>
             <a:endParaRPr lang="en-US"/>
           </a:p>
@@ -1164,7 +1164,7 @@
           <a:p>
             <a:fld id="{6BCB910A-3DE7-7648-8D6F-5B97A5E5BFE1}" type="datetimeFigureOut">
               <a:rPr lang="en-US" smtClean="0"/>
-              <a:t>4/23/22</a:t>
+              <a:t>4/27/22</a:t>
             </a:fld>
             <a:endParaRPr lang="en-US"/>
           </a:p>
@@ -1429,7 +1429,7 @@
           <a:p>
             <a:fld id="{6BCB910A-3DE7-7648-8D6F-5B97A5E5BFE1}" type="datetimeFigureOut">
               <a:rPr lang="en-US" smtClean="0"/>
-              <a:t>4/23/22</a:t>
+              <a:t>4/27/22</a:t>
             </a:fld>
             <a:endParaRPr lang="en-US"/>
           </a:p>
@@ -1841,7 +1841,7 @@
           <a:p>
             <a:fld id="{6BCB910A-3DE7-7648-8D6F-5B97A5E5BFE1}" type="datetimeFigureOut">
               <a:rPr lang="en-US" smtClean="0"/>
-              <a:t>4/23/22</a:t>
+              <a:t>4/27/22</a:t>
             </a:fld>
             <a:endParaRPr lang="en-US"/>
           </a:p>
@@ -1982,7 +1982,7 @@
           <a:p>
             <a:fld id="{6BCB910A-3DE7-7648-8D6F-5B97A5E5BFE1}" type="datetimeFigureOut">
               <a:rPr lang="en-US" smtClean="0"/>
-              <a:t>4/23/22</a:t>
+              <a:t>4/27/22</a:t>
             </a:fld>
             <a:endParaRPr lang="en-US"/>
           </a:p>
@@ -2095,7 +2095,7 @@
           <a:p>
             <a:fld id="{6BCB910A-3DE7-7648-8D6F-5B97A5E5BFE1}" type="datetimeFigureOut">
               <a:rPr lang="en-US" smtClean="0"/>
-              <a:t>4/23/22</a:t>
+              <a:t>4/27/22</a:t>
             </a:fld>
             <a:endParaRPr lang="en-US"/>
           </a:p>
@@ -2406,7 +2406,7 @@
           <a:p>
             <a:fld id="{6BCB910A-3DE7-7648-8D6F-5B97A5E5BFE1}" type="datetimeFigureOut">
               <a:rPr lang="en-US" smtClean="0"/>
-              <a:t>4/23/22</a:t>
+              <a:t>4/27/22</a:t>
             </a:fld>
             <a:endParaRPr lang="en-US"/>
           </a:p>
@@ -2694,7 +2694,7 @@
           <a:p>
             <a:fld id="{6BCB910A-3DE7-7648-8D6F-5B97A5E5BFE1}" type="datetimeFigureOut">
               <a:rPr lang="en-US" smtClean="0"/>
-              <a:t>4/23/22</a:t>
+              <a:t>4/27/22</a:t>
             </a:fld>
             <a:endParaRPr lang="en-US"/>
           </a:p>
@@ -2935,7 +2935,7 @@
           <a:p>
             <a:fld id="{6BCB910A-3DE7-7648-8D6F-5B97A5E5BFE1}" type="datetimeFigureOut">
               <a:rPr lang="en-US" smtClean="0"/>
-              <a:t>4/23/22</a:t>
+              <a:t>4/27/22</a:t>
             </a:fld>
             <a:endParaRPr lang="en-US"/>
           </a:p>
@@ -6879,10 +6879,10 @@
       </p:grpSpPr>
       <p:sp>
         <p:nvSpPr>
-          <p:cNvPr id="2" name="Title 1">
-            <a:extLst>
-              <a:ext uri="{FF2B5EF4-FFF2-40B4-BE49-F238E27FC236}">
-                <a16:creationId xmlns:a16="http://schemas.microsoft.com/office/drawing/2014/main" id="{C679F486-CE44-2147-9489-370DECAA7908}"/>
+          <p:cNvPr id="6" name="Title 5">
+            <a:extLst>
+              <a:ext uri="{FF2B5EF4-FFF2-40B4-BE49-F238E27FC236}">
+                <a16:creationId xmlns:a16="http://schemas.microsoft.com/office/drawing/2014/main" id="{6E62AF5C-79A2-8318-5B5A-668EAD554443}"/>
               </a:ext>
             </a:extLst>
           </p:cNvPr>
@@ -6898,16 +6898,21 @@
           <a:bodyPr/>
           <a:lstStyle/>
           <a:p>
-            <a:endParaRPr lang="en-US"/>
-          </a:p>
-        </p:txBody>
-      </p:sp>
-      <p:sp>
-        <p:nvSpPr>
-          <p:cNvPr id="3" name="Content Placeholder 2">
-            <a:extLst>
-              <a:ext uri="{FF2B5EF4-FFF2-40B4-BE49-F238E27FC236}">
-                <a16:creationId xmlns:a16="http://schemas.microsoft.com/office/drawing/2014/main" id="{B098DEA3-BF6C-B642-8455-A5278BB33FCB}"/>
+            <a:r>
+              <a:rPr lang="en-US" dirty="0">
+                <a:latin typeface="Helvetica" pitchFamily="2" charset="0"/>
+              </a:rPr>
+              <a:t>Training output</a:t>
+            </a:r>
+          </a:p>
+        </p:txBody>
+      </p:sp>
+      <p:sp>
+        <p:nvSpPr>
+          <p:cNvPr id="7" name="Text Placeholder 6">
+            <a:extLst>
+              <a:ext uri="{FF2B5EF4-FFF2-40B4-BE49-F238E27FC236}">
+                <a16:creationId xmlns:a16="http://schemas.microsoft.com/office/drawing/2014/main" id="{461DE5B1-D312-23FC-EC97-522C64F4F727}"/>
               </a:ext>
             </a:extLst>
           </p:cNvPr>
@@ -6915,7 +6920,7 @@
             <a:spLocks noGrp="1"/>
           </p:cNvSpPr>
           <p:nvPr>
-            <p:ph idx="1"/>
+            <p:ph type="body" idx="1"/>
           </p:nvPr>
         </p:nvSpPr>
         <p:spPr/>
@@ -6923,7 +6928,96 @@
           <a:bodyPr/>
           <a:lstStyle/>
           <a:p>
-            <a:endParaRPr lang="en-US" dirty="0"/>
+            <a:r>
+              <a:rPr lang="en-US" dirty="0"/>
+              <a:t>Inf </a:t>
+            </a:r>
+            <a:r>
+              <a:rPr lang="en-US" dirty="0">
+                <a:latin typeface="Helvetica" pitchFamily="2" charset="0"/>
+              </a:rPr>
+              <a:t>tokens</a:t>
+            </a:r>
+          </a:p>
+        </p:txBody>
+      </p:sp>
+      <p:sp>
+        <p:nvSpPr>
+          <p:cNvPr id="8" name="Content Placeholder 7">
+            <a:extLst>
+              <a:ext uri="{FF2B5EF4-FFF2-40B4-BE49-F238E27FC236}">
+                <a16:creationId xmlns:a16="http://schemas.microsoft.com/office/drawing/2014/main" id="{3F5C0E8D-21F4-D293-80F6-0D530F2C1C6F}"/>
+              </a:ext>
+            </a:extLst>
+          </p:cNvPr>
+          <p:cNvSpPr>
+            <a:spLocks noGrp="1"/>
+          </p:cNvSpPr>
+          <p:nvPr>
+            <p:ph sz="half" idx="2"/>
+          </p:nvPr>
+        </p:nvSpPr>
+        <p:spPr/>
+        <p:txBody>
+          <a:bodyPr/>
+          <a:lstStyle/>
+          <a:p>
+            <a:endParaRPr lang="en-US"/>
+          </a:p>
+        </p:txBody>
+      </p:sp>
+      <p:sp>
+        <p:nvSpPr>
+          <p:cNvPr id="9" name="Text Placeholder 8">
+            <a:extLst>
+              <a:ext uri="{FF2B5EF4-FFF2-40B4-BE49-F238E27FC236}">
+                <a16:creationId xmlns:a16="http://schemas.microsoft.com/office/drawing/2014/main" id="{8FD6C12A-7DC8-4EFC-A530-93AC2B5B025F}"/>
+              </a:ext>
+            </a:extLst>
+          </p:cNvPr>
+          <p:cNvSpPr>
+            <a:spLocks noGrp="1"/>
+          </p:cNvSpPr>
+          <p:nvPr>
+            <p:ph type="body" sz="quarter" idx="3"/>
+          </p:nvPr>
+        </p:nvSpPr>
+        <p:spPr/>
+        <p:txBody>
+          <a:bodyPr/>
+          <a:lstStyle/>
+          <a:p>
+            <a:r>
+              <a:rPr lang="en-US" dirty="0">
+                <a:latin typeface="Helvetica" pitchFamily="2" charset="0"/>
+              </a:rPr>
+              <a:t>100 tokens</a:t>
+            </a:r>
+          </a:p>
+        </p:txBody>
+      </p:sp>
+      <p:sp>
+        <p:nvSpPr>
+          <p:cNvPr id="10" name="Content Placeholder 9">
+            <a:extLst>
+              <a:ext uri="{FF2B5EF4-FFF2-40B4-BE49-F238E27FC236}">
+                <a16:creationId xmlns:a16="http://schemas.microsoft.com/office/drawing/2014/main" id="{CDE7C619-12C8-A756-FA9E-2EA3C2323BDB}"/>
+              </a:ext>
+            </a:extLst>
+          </p:cNvPr>
+          <p:cNvSpPr>
+            <a:spLocks noGrp="1"/>
+          </p:cNvSpPr>
+          <p:nvPr>
+            <p:ph sz="quarter" idx="4"/>
+          </p:nvPr>
+        </p:nvSpPr>
+        <p:spPr/>
+        <p:txBody>
+          <a:bodyPr/>
+          <a:lstStyle/>
+          <a:p>
+            <a:endParaRPr lang="en-US"/>
           </a:p>
         </p:txBody>
       </p:sp>
@@ -6949,8 +7043,38 @@
         </p:blipFill>
         <p:spPr>
           <a:xfrm>
-            <a:off x="2381250" y="1009650"/>
-            <a:ext cx="7429500" cy="4838700"/>
+            <a:off x="769204" y="2505075"/>
+            <a:ext cx="5230686" cy="3406652"/>
+          </a:xfrm>
+          <a:prstGeom prst="rect">
+            <a:avLst/>
+          </a:prstGeom>
+        </p:spPr>
+      </p:pic>
+      <p:pic>
+        <p:nvPicPr>
+          <p:cNvPr id="5" name="Picture 4">
+            <a:extLst>
+              <a:ext uri="{FF2B5EF4-FFF2-40B4-BE49-F238E27FC236}">
+                <a16:creationId xmlns:a16="http://schemas.microsoft.com/office/drawing/2014/main" id="{A3AE1FB8-72BC-EDED-BB2D-CD2CD4AB4CBA}"/>
+              </a:ext>
+            </a:extLst>
+          </p:cNvPr>
+          <p:cNvPicPr>
+            <a:picLocks noChangeAspect="1"/>
+          </p:cNvPicPr>
+          <p:nvPr/>
+        </p:nvPicPr>
+        <p:blipFill>
+          <a:blip r:embed="rId3"/>
+          <a:stretch>
+            <a:fillRect/>
+          </a:stretch>
+        </p:blipFill>
+        <p:spPr>
+          <a:xfrm>
+            <a:off x="6172200" y="2505075"/>
+            <a:ext cx="5238888" cy="3098556"/>
           </a:xfrm>
           <a:prstGeom prst="rect">
             <a:avLst/>
